--- a/docs/slides-template.pptx
+++ b/docs/slides-template.pptx
@@ -235,7 +235,7 @@
             <a:fld id="{D0106195-8D78-4F6F-B8E4-FA67975ACEF5}" type="datetimeFigureOut">
               <a:rPr lang="ru-RU" smtClean="0"/>
               <a:pPr/>
-              <a:t>19.09.2020</a:t>
+              <a:t>20.09.2020</a:t>
             </a:fld>
             <a:endParaRPr lang="ru-RU"/>
           </a:p>
@@ -403,7 +403,7 @@
             <a:fld id="{878212F1-C3D9-4F2B-8F42-5E960FE8BE51}" type="datetimeFigureOut">
               <a:rPr lang="ru-RU" smtClean="0"/>
               <a:pPr/>
-              <a:t>19.09.2020</a:t>
+              <a:t>20.09.2020</a:t>
             </a:fld>
             <a:endParaRPr lang="ru-RU"/>
           </a:p>
@@ -1924,14 +1924,14 @@
           <a:bodyPr/>
           <a:lstStyle>
             <a:lvl1pPr>
-              <a:defRPr>
+              <a:defRPr sz="3600">
                 <a:solidFill>
                   <a:srgbClr val="273272"/>
                 </a:solidFill>
               </a:defRPr>
             </a:lvl1pPr>
             <a:lvl2pPr>
-              <a:defRPr>
+              <a:defRPr sz="3200">
                 <a:solidFill>
                   <a:srgbClr val="273272"/>
                 </a:solidFill>
@@ -2056,11 +2056,11 @@
         <p:txBody>
           <a:bodyPr lIns="72000" tIns="25200" rIns="0" bIns="25200"/>
           <a:lstStyle>
-            <a:lvl1pPr>
+            <a:lvl1pPr algn="ctr">
               <a:lnSpc>
                 <a:spcPct val="100000"/>
               </a:lnSpc>
-              <a:defRPr b="1">
+              <a:defRPr sz="4800" b="1">
                 <a:solidFill>
                   <a:srgbClr val="F7B217"/>
                 </a:solidFill>
@@ -2073,39 +2073,6 @@
               <a:t>MicroTESK</a:t>
             </a:r>
             <a:endParaRPr lang="ru-RU" dirty="0"/>
-          </a:p>
-        </p:txBody>
-      </p:sp>
-      <p:sp>
-        <p:nvSpPr>
-          <p:cNvPr id="10" name="TextBox 9"/>
-          <p:cNvSpPr txBox="1"/>
-          <p:nvPr userDrawn="1"/>
-        </p:nvSpPr>
-        <p:spPr>
-          <a:xfrm>
-            <a:off x="3564475" y="172072"/>
-            <a:ext cx="7729794" cy="728001"/>
-          </a:xfrm>
-          <a:prstGeom prst="rect">
-            <a:avLst/>
-          </a:prstGeom>
-          <a:solidFill>
-            <a:schemeClr val="bg1"/>
-          </a:solidFill>
-        </p:spPr>
-        <p:txBody>
-          <a:bodyPr wrap="square" lIns="72000" tIns="25200" rIns="0" bIns="25200" rtlCol="0" anchor="ctr" anchorCtr="0">
-            <a:normAutofit/>
-          </a:bodyPr>
-          <a:lstStyle/>
-          <a:p>
-            <a:endParaRPr lang="ru-RU" sz="4400" b="1" dirty="0">
-              <a:solidFill>
-                <a:schemeClr val="tx1"/>
-              </a:solidFill>
-              <a:latin typeface="+mj-lt"/>
-            </a:endParaRPr>
           </a:p>
         </p:txBody>
       </p:sp>
@@ -4414,13 +4381,6 @@
               </a:rPr>
               <a:t>atatarnikov@hse.ru </a:t>
             </a:r>
-            <a:endParaRPr lang="en-US" sz="2800" b="1" u="sng" dirty="0" smtClean="0">
-              <a:solidFill>
-                <a:srgbClr val="0070C0"/>
-              </a:solidFill>
-              <a:latin typeface="+mj-lt"/>
-              <a:cs typeface="Calibri" pitchFamily="34" charset="0"/>
-            </a:endParaRPr>
           </a:p>
           <a:p>
             <a:pPr algn="ctr">
@@ -4434,17 +4394,7 @@
                 <a:latin typeface="+mj-lt"/>
                 <a:cs typeface="Calibri" pitchFamily="34" charset="0"/>
               </a:rPr>
-              <a:t>@</a:t>
-            </a:r>
-            <a:r>
-              <a:rPr lang="en-US" sz="2800" b="1" u="sng" dirty="0" smtClean="0">
-                <a:solidFill>
-                  <a:srgbClr val="0070C0"/>
-                </a:solidFill>
-                <a:latin typeface="+mj-lt"/>
-                <a:cs typeface="Calibri" pitchFamily="34" charset="0"/>
-              </a:rPr>
-              <a:t>andrewt0301</a:t>
+              <a:t>@andrewt0301</a:t>
             </a:r>
             <a:endParaRPr lang="en-US" sz="2800" b="1" u="sng" dirty="0">
               <a:solidFill>
